--- a/BME513 Final.pptx
+++ b/BME513 Final.pptx
@@ -5,7 +5,7 @@
     <p:sldMasterId id="2147483773" r:id="rId1"/>
   </p:sldMasterIdLst>
   <p:notesMasterIdLst>
-    <p:notesMasterId r:id="rId7"/>
+    <p:notesMasterId r:id="rId8"/>
   </p:notesMasterIdLst>
   <p:sldIdLst>
     <p:sldId id="256" r:id="rId2"/>
@@ -13,32 +13,33 @@
     <p:sldId id="262" r:id="rId4"/>
     <p:sldId id="259" r:id="rId5"/>
     <p:sldId id="260" r:id="rId6"/>
+    <p:sldId id="263" r:id="rId7"/>
   </p:sldIdLst>
   <p:sldSz cx="9144000" cy="5143500" type="screen16x9"/>
   <p:notesSz cx="6858000" cy="9144000"/>
   <p:embeddedFontLst>
     <p:embeddedFont>
-      <p:font typeface="Lato" panose="020B0604020202020204" charset="0"/>
-      <p:regular r:id="rId8"/>
-      <p:bold r:id="rId9"/>
+      <p:font typeface="Calibri Light" panose="020F0302020204030204" pitchFamily="34" charset="0"/>
+      <p:regular r:id="rId9"/>
       <p:italic r:id="rId10"/>
-      <p:boldItalic r:id="rId11"/>
-    </p:embeddedFont>
-    <p:embeddedFont>
-      <p:font typeface="Average" panose="020B0604020202020204" charset="0"/>
-      <p:regular r:id="rId12"/>
-    </p:embeddedFont>
-    <p:embeddedFont>
-      <p:font typeface="Calibri Light" panose="020F0302020204030204" pitchFamily="34" charset="0"/>
-      <p:regular r:id="rId13"/>
-      <p:italic r:id="rId14"/>
     </p:embeddedFont>
     <p:embeddedFont>
       <p:font typeface="Calibri" panose="020F0502020204030204" pitchFamily="34" charset="0"/>
+      <p:regular r:id="rId11"/>
+      <p:bold r:id="rId12"/>
+      <p:italic r:id="rId13"/>
+      <p:boldItalic r:id="rId14"/>
+    </p:embeddedFont>
+    <p:embeddedFont>
+      <p:font typeface="Lato" panose="020B0604020202020204" charset="0"/>
       <p:regular r:id="rId15"/>
       <p:bold r:id="rId16"/>
       <p:italic r:id="rId17"/>
       <p:boldItalic r:id="rId18"/>
+    </p:embeddedFont>
+    <p:embeddedFont>
+      <p:font typeface="Average" panose="020B0604020202020204" charset="0"/>
+      <p:regular r:id="rId19"/>
     </p:embeddedFont>
   </p:embeddedFontLst>
   <p:defaultTextStyle>
@@ -6478,6 +6479,214 @@
         </p:txBody>
       </p:sp>
     </p:spTree>
+  </p:cSld>
+  <p:clrMapOvr>
+    <a:masterClrMapping/>
+  </p:clrMapOvr>
+</p:sld>
+</file>
+
+<file path=ppt/slides/slide6.xml><?xml version="1.0" encoding="utf-8"?>
+<p:sld xmlns:a="http://schemas.openxmlformats.org/drawingml/2006/main" xmlns:r="http://schemas.openxmlformats.org/officeDocument/2006/relationships" xmlns:p="http://schemas.openxmlformats.org/presentationml/2006/main">
+  <p:cSld>
+    <p:spTree>
+      <p:nvGrpSpPr>
+        <p:cNvPr id="1" name=""/>
+        <p:cNvGrpSpPr/>
+        <p:nvPr/>
+      </p:nvGrpSpPr>
+      <p:grpSpPr>
+        <a:xfrm>
+          <a:off x="0" y="0"/>
+          <a:ext cx="0" cy="0"/>
+          <a:chOff x="0" y="0"/>
+          <a:chExt cx="0" cy="0"/>
+        </a:xfrm>
+      </p:grpSpPr>
+      <p:pic>
+        <p:nvPicPr>
+          <p:cNvPr id="5" name="Graphic 4">
+            <a:extLst>
+              <a:ext uri="{FF2B5EF4-FFF2-40B4-BE49-F238E27FC236}">
+                <a16:creationId xmlns:a16="http://schemas.microsoft.com/office/drawing/2014/main" id="{C54F53B1-CC94-4C4C-89C0-032724FBE83E}"/>
+              </a:ext>
+            </a:extLst>
+          </p:cNvPr>
+          <p:cNvPicPr>
+            <a:picLocks noChangeAspect="1"/>
+          </p:cNvPicPr>
+          <p:nvPr/>
+        </p:nvPicPr>
+        <p:blipFill>
+          <a:blip r:embed="rId2">
+            <a:extLst>
+              <a:ext uri="{96DAC541-7B7A-43D3-8B79-37D633B846F1}">
+                <asvg:svgBlip xmlns:asvg="http://schemas.microsoft.com/office/drawing/2016/SVG/main" r:embed="rId3"/>
+              </a:ext>
+            </a:extLst>
+          </a:blip>
+          <a:stretch>
+            <a:fillRect/>
+          </a:stretch>
+        </p:blipFill>
+        <p:spPr>
+          <a:xfrm>
+            <a:off x="1142316" y="1480440"/>
+            <a:ext cx="3510217" cy="2628368"/>
+          </a:xfrm>
+          <a:prstGeom prst="rect">
+            <a:avLst/>
+          </a:prstGeom>
+        </p:spPr>
+      </p:pic>
+      <p:pic>
+        <p:nvPicPr>
+          <p:cNvPr id="7" name="Picture 6">
+            <a:extLst>
+              <a:ext uri="{FF2B5EF4-FFF2-40B4-BE49-F238E27FC236}">
+                <a16:creationId xmlns:a16="http://schemas.microsoft.com/office/drawing/2014/main" id="{9A1E0E94-4CE7-4256-9F82-30D0536F0370}"/>
+              </a:ext>
+            </a:extLst>
+          </p:cNvPr>
+          <p:cNvPicPr>
+            <a:picLocks noChangeAspect="1"/>
+          </p:cNvPicPr>
+          <p:nvPr/>
+        </p:nvPicPr>
+        <p:blipFill>
+          <a:blip r:embed="rId4"/>
+          <a:stretch>
+            <a:fillRect/>
+          </a:stretch>
+        </p:blipFill>
+        <p:spPr>
+          <a:xfrm>
+            <a:off x="4970383" y="1569624"/>
+            <a:ext cx="3244500" cy="2450000"/>
+          </a:xfrm>
+          <a:prstGeom prst="rect">
+            <a:avLst/>
+          </a:prstGeom>
+        </p:spPr>
+      </p:pic>
+      <p:cxnSp>
+        <p:nvCxnSpPr>
+          <p:cNvPr id="9" name="Straight Arrow Connector 8">
+            <a:extLst>
+              <a:ext uri="{FF2B5EF4-FFF2-40B4-BE49-F238E27FC236}">
+                <a16:creationId xmlns:a16="http://schemas.microsoft.com/office/drawing/2014/main" id="{4A1DAB26-6B38-4E2F-9438-17F9C1E51DB4}"/>
+              </a:ext>
+            </a:extLst>
+          </p:cNvPr>
+          <p:cNvCxnSpPr/>
+          <p:nvPr/>
+        </p:nvCxnSpPr>
+        <p:spPr>
+          <a:xfrm>
+            <a:off x="6031673" y="2005260"/>
+            <a:ext cx="326115" cy="760935"/>
+          </a:xfrm>
+          <a:prstGeom prst="straightConnector1">
+            <a:avLst/>
+          </a:prstGeom>
+          <a:ln>
+            <a:solidFill>
+              <a:schemeClr val="tx1"/>
+            </a:solidFill>
+            <a:tailEnd type="triangle"/>
+          </a:ln>
+        </p:spPr>
+        <p:style>
+          <a:lnRef idx="1">
+            <a:schemeClr val="accent1"/>
+          </a:lnRef>
+          <a:fillRef idx="0">
+            <a:schemeClr val="accent1"/>
+          </a:fillRef>
+          <a:effectRef idx="0">
+            <a:schemeClr val="accent1"/>
+          </a:effectRef>
+          <a:fontRef idx="minor">
+            <a:schemeClr val="tx1"/>
+          </a:fontRef>
+        </p:style>
+      </p:cxnSp>
+      <p:sp>
+        <p:nvSpPr>
+          <p:cNvPr id="10" name="TextBox 9">
+            <a:extLst>
+              <a:ext uri="{FF2B5EF4-FFF2-40B4-BE49-F238E27FC236}">
+                <a16:creationId xmlns:a16="http://schemas.microsoft.com/office/drawing/2014/main" id="{885F5886-B337-4D7C-A2EB-2BC326921F74}"/>
+              </a:ext>
+            </a:extLst>
+          </p:cNvPr>
+          <p:cNvSpPr txBox="1"/>
+          <p:nvPr/>
+        </p:nvSpPr>
+        <p:spPr>
+          <a:xfrm>
+            <a:off x="6194730" y="2766195"/>
+            <a:ext cx="566181" cy="276999"/>
+          </a:xfrm>
+          <a:prstGeom prst="rect">
+            <a:avLst/>
+          </a:prstGeom>
+          <a:noFill/>
+        </p:spPr>
+        <p:txBody>
+          <a:bodyPr wrap="none" rtlCol="0">
+            <a:spAutoFit/>
+          </a:bodyPr>
+          <a:lstStyle/>
+          <a:p>
+            <a:r>
+              <a:rPr lang="en-US" sz="1200" dirty="0"/>
+              <a:t>I = 0.4</a:t>
+            </a:r>
+          </a:p>
+        </p:txBody>
+      </p:sp>
+      <p:sp>
+        <p:nvSpPr>
+          <p:cNvPr id="11" name="TextBox 10">
+            <a:extLst>
+              <a:ext uri="{FF2B5EF4-FFF2-40B4-BE49-F238E27FC236}">
+                <a16:creationId xmlns:a16="http://schemas.microsoft.com/office/drawing/2014/main" id="{075BB2A0-FC6A-4F69-9301-BF7A3FD9A9FE}"/>
+              </a:ext>
+            </a:extLst>
+          </p:cNvPr>
+          <p:cNvSpPr txBox="1"/>
+          <p:nvPr/>
+        </p:nvSpPr>
+        <p:spPr>
+          <a:xfrm>
+            <a:off x="5628550" y="1754244"/>
+            <a:ext cx="566181" cy="276999"/>
+          </a:xfrm>
+          <a:prstGeom prst="rect">
+            <a:avLst/>
+          </a:prstGeom>
+          <a:noFill/>
+        </p:spPr>
+        <p:txBody>
+          <a:bodyPr wrap="none" rtlCol="0">
+            <a:spAutoFit/>
+          </a:bodyPr>
+          <a:lstStyle/>
+          <a:p>
+            <a:r>
+              <a:rPr lang="en-US" sz="1200" dirty="0"/>
+              <a:t>I = 0.2</a:t>
+            </a:r>
+          </a:p>
+        </p:txBody>
+      </p:sp>
+    </p:spTree>
+    <p:extLst>
+      <p:ext uri="{BB962C8B-B14F-4D97-AF65-F5344CB8AC3E}">
+        <p14:creationId xmlns:p14="http://schemas.microsoft.com/office/powerpoint/2010/main" val="1855172072"/>
+      </p:ext>
+    </p:extLst>
   </p:cSld>
   <p:clrMapOvr>
     <a:masterClrMapping/>
